--- a/TVCHH/TVCHH 159 - Lời Chúa (TC 621).pptx
+++ b/TVCHH/TVCHH 159 - Lời Chúa (TC 621).pptx
@@ -202,10 +202,9 @@
           <a:lstStyle/>
           <a:p>
             <a:r>
-              <a:rPr lang="en-US" smtClean="0"/>
+              <a:rPr lang="en-US"/>
               <a:t>Click to edit Master title style</a:t>
             </a:r>
-            <a:endParaRPr lang="en-US"/>
           </a:p>
         </p:txBody>
       </p:sp>
@@ -267,10 +266,9 @@
           </a:lstStyle>
           <a:p>
             <a:r>
-              <a:rPr lang="en-US" smtClean="0"/>
+              <a:rPr lang="en-US"/>
               <a:t>Click to edit Master subtitle style</a:t>
             </a:r>
-            <a:endParaRPr lang="en-US"/>
           </a:p>
         </p:txBody>
       </p:sp>
@@ -394,10 +392,9 @@
           <a:lstStyle/>
           <a:p>
             <a:r>
-              <a:rPr lang="en-US" smtClean="0"/>
+              <a:rPr lang="en-US"/>
               <a:t>Click to edit Master title style</a:t>
             </a:r>
-            <a:endParaRPr lang="en-US"/>
           </a:p>
         </p:txBody>
       </p:sp>
@@ -418,38 +415,37 @@
           <a:p>
             <a:pPr lvl="0"/>
             <a:r>
-              <a:rPr lang="en-US" smtClean="0"/>
+              <a:rPr lang="en-US"/>
               <a:t>Click to edit Master text styles</a:t>
             </a:r>
           </a:p>
           <a:p>
             <a:pPr lvl="1"/>
             <a:r>
-              <a:rPr lang="en-US" smtClean="0"/>
+              <a:rPr lang="en-US"/>
               <a:t>Second level</a:t>
             </a:r>
           </a:p>
           <a:p>
             <a:pPr lvl="2"/>
             <a:r>
-              <a:rPr lang="en-US" smtClean="0"/>
+              <a:rPr lang="en-US"/>
               <a:t>Third level</a:t>
             </a:r>
           </a:p>
           <a:p>
             <a:pPr lvl="3"/>
             <a:r>
-              <a:rPr lang="en-US" smtClean="0"/>
+              <a:rPr lang="en-US"/>
               <a:t>Fourth level</a:t>
             </a:r>
           </a:p>
           <a:p>
             <a:pPr lvl="4"/>
             <a:r>
-              <a:rPr lang="en-US" smtClean="0"/>
+              <a:rPr lang="en-US"/>
               <a:t>Fifth level</a:t>
             </a:r>
-            <a:endParaRPr lang="en-US"/>
           </a:p>
         </p:txBody>
       </p:sp>
@@ -578,10 +574,9 @@
           <a:lstStyle/>
           <a:p>
             <a:r>
-              <a:rPr lang="en-US" smtClean="0"/>
+              <a:rPr lang="en-US"/>
               <a:t>Click to edit Master title style</a:t>
             </a:r>
-            <a:endParaRPr lang="en-US"/>
           </a:p>
         </p:txBody>
       </p:sp>
@@ -607,38 +602,37 @@
           <a:p>
             <a:pPr lvl="0"/>
             <a:r>
-              <a:rPr lang="en-US" smtClean="0"/>
+              <a:rPr lang="en-US"/>
               <a:t>Click to edit Master text styles</a:t>
             </a:r>
           </a:p>
           <a:p>
             <a:pPr lvl="1"/>
             <a:r>
-              <a:rPr lang="en-US" smtClean="0"/>
+              <a:rPr lang="en-US"/>
               <a:t>Second level</a:t>
             </a:r>
           </a:p>
           <a:p>
             <a:pPr lvl="2"/>
             <a:r>
-              <a:rPr lang="en-US" smtClean="0"/>
+              <a:rPr lang="en-US"/>
               <a:t>Third level</a:t>
             </a:r>
           </a:p>
           <a:p>
             <a:pPr lvl="3"/>
             <a:r>
-              <a:rPr lang="en-US" smtClean="0"/>
+              <a:rPr lang="en-US"/>
               <a:t>Fourth level</a:t>
             </a:r>
           </a:p>
           <a:p>
             <a:pPr lvl="4"/>
             <a:r>
-              <a:rPr lang="en-US" smtClean="0"/>
+              <a:rPr lang="en-US"/>
               <a:t>Fifth level</a:t>
             </a:r>
-            <a:endParaRPr lang="en-US"/>
           </a:p>
         </p:txBody>
       </p:sp>
@@ -767,10 +761,9 @@
           <a:lstStyle/>
           <a:p>
             <a:r>
-              <a:rPr lang="en-US" smtClean="0"/>
+              <a:rPr lang="en-US"/>
               <a:t>Click to edit Master title style</a:t>
             </a:r>
-            <a:endParaRPr lang="en-US"/>
           </a:p>
         </p:txBody>
       </p:sp>
@@ -832,10 +825,9 @@
           </a:lstStyle>
           <a:p>
             <a:r>
-              <a:rPr lang="en-US" smtClean="0"/>
+              <a:rPr lang="en-US"/>
               <a:t>Click to edit Master subtitle style</a:t>
             </a:r>
-            <a:endParaRPr lang="en-US"/>
           </a:p>
         </p:txBody>
       </p:sp>
@@ -970,10 +962,9 @@
           <a:lstStyle/>
           <a:p>
             <a:r>
-              <a:rPr lang="en-US" smtClean="0"/>
+              <a:rPr lang="en-US"/>
               <a:t>Click to edit Master title style</a:t>
             </a:r>
-            <a:endParaRPr lang="en-US"/>
           </a:p>
         </p:txBody>
       </p:sp>
@@ -994,38 +985,37 @@
           <a:p>
             <a:pPr lvl="0"/>
             <a:r>
-              <a:rPr lang="en-US" smtClean="0"/>
+              <a:rPr lang="en-US"/>
               <a:t>Click to edit Master text styles</a:t>
             </a:r>
           </a:p>
           <a:p>
             <a:pPr lvl="1"/>
             <a:r>
-              <a:rPr lang="en-US" smtClean="0"/>
+              <a:rPr lang="en-US"/>
               <a:t>Second level</a:t>
             </a:r>
           </a:p>
           <a:p>
             <a:pPr lvl="2"/>
             <a:r>
-              <a:rPr lang="en-US" smtClean="0"/>
+              <a:rPr lang="en-US"/>
               <a:t>Third level</a:t>
             </a:r>
           </a:p>
           <a:p>
             <a:pPr lvl="3"/>
             <a:r>
-              <a:rPr lang="en-US" smtClean="0"/>
+              <a:rPr lang="en-US"/>
               <a:t>Fourth level</a:t>
             </a:r>
           </a:p>
           <a:p>
             <a:pPr lvl="4"/>
             <a:r>
-              <a:rPr lang="en-US" smtClean="0"/>
+              <a:rPr lang="en-US"/>
               <a:t>Fifth level</a:t>
             </a:r>
-            <a:endParaRPr lang="en-US"/>
           </a:p>
         </p:txBody>
       </p:sp>
@@ -1169,10 +1159,9 @@
           </a:lstStyle>
           <a:p>
             <a:r>
-              <a:rPr lang="en-US" smtClean="0"/>
+              <a:rPr lang="en-US"/>
               <a:t>Click to edit Master title style</a:t>
             </a:r>
-            <a:endParaRPr lang="en-US"/>
           </a:p>
         </p:txBody>
       </p:sp>
@@ -1235,7 +1224,7 @@
           <a:p>
             <a:pPr lvl="0"/>
             <a:r>
-              <a:rPr lang="en-US" smtClean="0"/>
+              <a:rPr lang="en-US"/>
               <a:t>Click to edit Master text styles</a:t>
             </a:r>
           </a:p>
@@ -1372,10 +1361,9 @@
           <a:lstStyle/>
           <a:p>
             <a:r>
-              <a:rPr lang="en-US" smtClean="0"/>
+              <a:rPr lang="en-US"/>
               <a:t>Click to edit Master title style</a:t>
             </a:r>
-            <a:endParaRPr lang="en-US"/>
           </a:p>
         </p:txBody>
       </p:sp>
@@ -1429,38 +1417,37 @@
           <a:p>
             <a:pPr lvl="0"/>
             <a:r>
-              <a:rPr lang="en-US" smtClean="0"/>
+              <a:rPr lang="en-US"/>
               <a:t>Click to edit Master text styles</a:t>
             </a:r>
           </a:p>
           <a:p>
             <a:pPr lvl="1"/>
             <a:r>
-              <a:rPr lang="en-US" smtClean="0"/>
+              <a:rPr lang="en-US"/>
               <a:t>Second level</a:t>
             </a:r>
           </a:p>
           <a:p>
             <a:pPr lvl="2"/>
             <a:r>
-              <a:rPr lang="en-US" smtClean="0"/>
+              <a:rPr lang="en-US"/>
               <a:t>Third level</a:t>
             </a:r>
           </a:p>
           <a:p>
             <a:pPr lvl="3"/>
             <a:r>
-              <a:rPr lang="en-US" smtClean="0"/>
+              <a:rPr lang="en-US"/>
               <a:t>Fourth level</a:t>
             </a:r>
           </a:p>
           <a:p>
             <a:pPr lvl="4"/>
             <a:r>
-              <a:rPr lang="en-US" smtClean="0"/>
+              <a:rPr lang="en-US"/>
               <a:t>Fifth level</a:t>
             </a:r>
-            <a:endParaRPr lang="en-US"/>
           </a:p>
         </p:txBody>
       </p:sp>
@@ -1514,38 +1501,37 @@
           <a:p>
             <a:pPr lvl="0"/>
             <a:r>
-              <a:rPr lang="en-US" smtClean="0"/>
+              <a:rPr lang="en-US"/>
               <a:t>Click to edit Master text styles</a:t>
             </a:r>
           </a:p>
           <a:p>
             <a:pPr lvl="1"/>
             <a:r>
-              <a:rPr lang="en-US" smtClean="0"/>
+              <a:rPr lang="en-US"/>
               <a:t>Second level</a:t>
             </a:r>
           </a:p>
           <a:p>
             <a:pPr lvl="2"/>
             <a:r>
-              <a:rPr lang="en-US" smtClean="0"/>
+              <a:rPr lang="en-US"/>
               <a:t>Third level</a:t>
             </a:r>
           </a:p>
           <a:p>
             <a:pPr lvl="3"/>
             <a:r>
-              <a:rPr lang="en-US" smtClean="0"/>
+              <a:rPr lang="en-US"/>
               <a:t>Fourth level</a:t>
             </a:r>
           </a:p>
           <a:p>
             <a:pPr lvl="4"/>
             <a:r>
-              <a:rPr lang="en-US" smtClean="0"/>
+              <a:rPr lang="en-US"/>
               <a:t>Fifth level</a:t>
             </a:r>
-            <a:endParaRPr lang="en-US"/>
           </a:p>
         </p:txBody>
       </p:sp>
@@ -1689,10 +1675,9 @@
           </a:lstStyle>
           <a:p>
             <a:r>
-              <a:rPr lang="en-US" smtClean="0"/>
+              <a:rPr lang="en-US"/>
               <a:t>Click to edit Master title style</a:t>
             </a:r>
-            <a:endParaRPr lang="en-US"/>
           </a:p>
         </p:txBody>
       </p:sp>
@@ -1755,7 +1740,7 @@
           <a:p>
             <a:pPr lvl="0"/>
             <a:r>
-              <a:rPr lang="en-US" smtClean="0"/>
+              <a:rPr lang="en-US"/>
               <a:t>Click to edit Master text styles</a:t>
             </a:r>
           </a:p>
@@ -1811,38 +1796,37 @@
           <a:p>
             <a:pPr lvl="0"/>
             <a:r>
-              <a:rPr lang="en-US" smtClean="0"/>
+              <a:rPr lang="en-US"/>
               <a:t>Click to edit Master text styles</a:t>
             </a:r>
           </a:p>
           <a:p>
             <a:pPr lvl="1"/>
             <a:r>
-              <a:rPr lang="en-US" smtClean="0"/>
+              <a:rPr lang="en-US"/>
               <a:t>Second level</a:t>
             </a:r>
           </a:p>
           <a:p>
             <a:pPr lvl="2"/>
             <a:r>
-              <a:rPr lang="en-US" smtClean="0"/>
+              <a:rPr lang="en-US"/>
               <a:t>Third level</a:t>
             </a:r>
           </a:p>
           <a:p>
             <a:pPr lvl="3"/>
             <a:r>
-              <a:rPr lang="en-US" smtClean="0"/>
+              <a:rPr lang="en-US"/>
               <a:t>Fourth level</a:t>
             </a:r>
           </a:p>
           <a:p>
             <a:pPr lvl="4"/>
             <a:r>
-              <a:rPr lang="en-US" smtClean="0"/>
+              <a:rPr lang="en-US"/>
               <a:t>Fifth level</a:t>
             </a:r>
-            <a:endParaRPr lang="en-US"/>
           </a:p>
         </p:txBody>
       </p:sp>
@@ -1905,7 +1889,7 @@
           <a:p>
             <a:pPr lvl="0"/>
             <a:r>
-              <a:rPr lang="en-US" smtClean="0"/>
+              <a:rPr lang="en-US"/>
               <a:t>Click to edit Master text styles</a:t>
             </a:r>
           </a:p>
@@ -1961,38 +1945,37 @@
           <a:p>
             <a:pPr lvl="0"/>
             <a:r>
-              <a:rPr lang="en-US" smtClean="0"/>
+              <a:rPr lang="en-US"/>
               <a:t>Click to edit Master text styles</a:t>
             </a:r>
           </a:p>
           <a:p>
             <a:pPr lvl="1"/>
             <a:r>
-              <a:rPr lang="en-US" smtClean="0"/>
+              <a:rPr lang="en-US"/>
               <a:t>Second level</a:t>
             </a:r>
           </a:p>
           <a:p>
             <a:pPr lvl="2"/>
             <a:r>
-              <a:rPr lang="en-US" smtClean="0"/>
+              <a:rPr lang="en-US"/>
               <a:t>Third level</a:t>
             </a:r>
           </a:p>
           <a:p>
             <a:pPr lvl="3"/>
             <a:r>
-              <a:rPr lang="en-US" smtClean="0"/>
+              <a:rPr lang="en-US"/>
               <a:t>Fourth level</a:t>
             </a:r>
           </a:p>
           <a:p>
             <a:pPr lvl="4"/>
             <a:r>
-              <a:rPr lang="en-US" smtClean="0"/>
+              <a:rPr lang="en-US"/>
               <a:t>Fifth level</a:t>
             </a:r>
-            <a:endParaRPr lang="en-US"/>
           </a:p>
         </p:txBody>
       </p:sp>
@@ -2127,10 +2110,9 @@
           <a:lstStyle/>
           <a:p>
             <a:r>
-              <a:rPr lang="en-US" smtClean="0"/>
+              <a:rPr lang="en-US"/>
               <a:t>Click to edit Master title style</a:t>
             </a:r>
-            <a:endParaRPr lang="en-US"/>
           </a:p>
         </p:txBody>
       </p:sp>
@@ -2389,10 +2371,9 @@
           </a:lstStyle>
           <a:p>
             <a:r>
-              <a:rPr lang="en-US" smtClean="0"/>
+              <a:rPr lang="en-US"/>
               <a:t>Click to edit Master title style</a:t>
             </a:r>
-            <a:endParaRPr lang="en-US"/>
           </a:p>
         </p:txBody>
       </p:sp>
@@ -2446,38 +2427,37 @@
           <a:p>
             <a:pPr lvl="0"/>
             <a:r>
-              <a:rPr lang="en-US" smtClean="0"/>
+              <a:rPr lang="en-US"/>
               <a:t>Click to edit Master text styles</a:t>
             </a:r>
           </a:p>
           <a:p>
             <a:pPr lvl="1"/>
             <a:r>
-              <a:rPr lang="en-US" smtClean="0"/>
+              <a:rPr lang="en-US"/>
               <a:t>Second level</a:t>
             </a:r>
           </a:p>
           <a:p>
             <a:pPr lvl="2"/>
             <a:r>
-              <a:rPr lang="en-US" smtClean="0"/>
+              <a:rPr lang="en-US"/>
               <a:t>Third level</a:t>
             </a:r>
           </a:p>
           <a:p>
             <a:pPr lvl="3"/>
             <a:r>
-              <a:rPr lang="en-US" smtClean="0"/>
+              <a:rPr lang="en-US"/>
               <a:t>Fourth level</a:t>
             </a:r>
           </a:p>
           <a:p>
             <a:pPr lvl="4"/>
             <a:r>
-              <a:rPr lang="en-US" smtClean="0"/>
+              <a:rPr lang="en-US"/>
               <a:t>Fifth level</a:t>
             </a:r>
-            <a:endParaRPr lang="en-US"/>
           </a:p>
         </p:txBody>
       </p:sp>
@@ -2540,7 +2520,7 @@
           <a:p>
             <a:pPr lvl="0"/>
             <a:r>
-              <a:rPr lang="en-US" smtClean="0"/>
+              <a:rPr lang="en-US"/>
               <a:t>Click to edit Master text styles</a:t>
             </a:r>
           </a:p>
@@ -2677,10 +2657,9 @@
           <a:lstStyle/>
           <a:p>
             <a:r>
-              <a:rPr lang="en-US" smtClean="0"/>
+              <a:rPr lang="en-US"/>
               <a:t>Click to edit Master title style</a:t>
             </a:r>
-            <a:endParaRPr lang="en-US"/>
           </a:p>
         </p:txBody>
       </p:sp>
@@ -2701,38 +2680,37 @@
           <a:p>
             <a:pPr lvl="0"/>
             <a:r>
-              <a:rPr lang="en-US" smtClean="0"/>
+              <a:rPr lang="en-US"/>
               <a:t>Click to edit Master text styles</a:t>
             </a:r>
           </a:p>
           <a:p>
             <a:pPr lvl="1"/>
             <a:r>
-              <a:rPr lang="en-US" smtClean="0"/>
+              <a:rPr lang="en-US"/>
               <a:t>Second level</a:t>
             </a:r>
           </a:p>
           <a:p>
             <a:pPr lvl="2"/>
             <a:r>
-              <a:rPr lang="en-US" smtClean="0"/>
+              <a:rPr lang="en-US"/>
               <a:t>Third level</a:t>
             </a:r>
           </a:p>
           <a:p>
             <a:pPr lvl="3"/>
             <a:r>
-              <a:rPr lang="en-US" smtClean="0"/>
+              <a:rPr lang="en-US"/>
               <a:t>Fourth level</a:t>
             </a:r>
           </a:p>
           <a:p>
             <a:pPr lvl="4"/>
             <a:r>
-              <a:rPr lang="en-US" smtClean="0"/>
+              <a:rPr lang="en-US"/>
               <a:t>Fifth level</a:t>
             </a:r>
-            <a:endParaRPr lang="en-US"/>
           </a:p>
         </p:txBody>
       </p:sp>
@@ -2865,10 +2843,9 @@
           </a:lstStyle>
           <a:p>
             <a:r>
-              <a:rPr lang="en-US" smtClean="0"/>
+              <a:rPr lang="en-US"/>
               <a:t>Click to edit Master title style</a:t>
             </a:r>
-            <a:endParaRPr lang="en-US"/>
           </a:p>
         </p:txBody>
       </p:sp>
@@ -2930,7 +2907,7 @@
           </a:lstStyle>
           <a:p>
             <a:pPr lvl="0"/>
-            <a:endParaRPr lang="en-US" noProof="0" smtClean="0"/>
+            <a:endParaRPr lang="en-US" noProof="0"/>
           </a:p>
         </p:txBody>
       </p:sp>
@@ -2993,7 +2970,7 @@
           <a:p>
             <a:pPr lvl="0"/>
             <a:r>
-              <a:rPr lang="en-US" smtClean="0"/>
+              <a:rPr lang="en-US"/>
               <a:t>Click to edit Master text styles</a:t>
             </a:r>
           </a:p>
@@ -3130,10 +3107,9 @@
           <a:lstStyle/>
           <a:p>
             <a:r>
-              <a:rPr lang="en-US" smtClean="0"/>
+              <a:rPr lang="en-US"/>
               <a:t>Click to edit Master title style</a:t>
             </a:r>
-            <a:endParaRPr lang="en-US"/>
           </a:p>
         </p:txBody>
       </p:sp>
@@ -3154,38 +3130,37 @@
           <a:p>
             <a:pPr lvl="0"/>
             <a:r>
-              <a:rPr lang="en-US" smtClean="0"/>
+              <a:rPr lang="en-US"/>
               <a:t>Click to edit Master text styles</a:t>
             </a:r>
           </a:p>
           <a:p>
             <a:pPr lvl="1"/>
             <a:r>
-              <a:rPr lang="en-US" smtClean="0"/>
+              <a:rPr lang="en-US"/>
               <a:t>Second level</a:t>
             </a:r>
           </a:p>
           <a:p>
             <a:pPr lvl="2"/>
             <a:r>
-              <a:rPr lang="en-US" smtClean="0"/>
+              <a:rPr lang="en-US"/>
               <a:t>Third level</a:t>
             </a:r>
           </a:p>
           <a:p>
             <a:pPr lvl="3"/>
             <a:r>
-              <a:rPr lang="en-US" smtClean="0"/>
+              <a:rPr lang="en-US"/>
               <a:t>Fourth level</a:t>
             </a:r>
           </a:p>
           <a:p>
             <a:pPr lvl="4"/>
             <a:r>
-              <a:rPr lang="en-US" smtClean="0"/>
+              <a:rPr lang="en-US"/>
               <a:t>Fifth level</a:t>
             </a:r>
-            <a:endParaRPr lang="en-US"/>
           </a:p>
         </p:txBody>
       </p:sp>
@@ -3325,10 +3300,9 @@
           <a:lstStyle/>
           <a:p>
             <a:r>
-              <a:rPr lang="en-US" smtClean="0"/>
+              <a:rPr lang="en-US"/>
               <a:t>Click to edit Master title style</a:t>
             </a:r>
-            <a:endParaRPr lang="en-US"/>
           </a:p>
         </p:txBody>
       </p:sp>
@@ -3354,38 +3328,37 @@
           <a:p>
             <a:pPr lvl="0"/>
             <a:r>
-              <a:rPr lang="en-US" smtClean="0"/>
+              <a:rPr lang="en-US"/>
               <a:t>Click to edit Master text styles</a:t>
             </a:r>
           </a:p>
           <a:p>
             <a:pPr lvl="1"/>
             <a:r>
-              <a:rPr lang="en-US" smtClean="0"/>
+              <a:rPr lang="en-US"/>
               <a:t>Second level</a:t>
             </a:r>
           </a:p>
           <a:p>
             <a:pPr lvl="2"/>
             <a:r>
-              <a:rPr lang="en-US" smtClean="0"/>
+              <a:rPr lang="en-US"/>
               <a:t>Third level</a:t>
             </a:r>
           </a:p>
           <a:p>
             <a:pPr lvl="3"/>
             <a:r>
-              <a:rPr lang="en-US" smtClean="0"/>
+              <a:rPr lang="en-US"/>
               <a:t>Fourth level</a:t>
             </a:r>
           </a:p>
           <a:p>
             <a:pPr lvl="4"/>
             <a:r>
-              <a:rPr lang="en-US" smtClean="0"/>
+              <a:rPr lang="en-US"/>
               <a:t>Fifth level</a:t>
             </a:r>
-            <a:endParaRPr lang="en-US"/>
           </a:p>
         </p:txBody>
       </p:sp>
@@ -3529,10 +3502,9 @@
           </a:lstStyle>
           <a:p>
             <a:r>
-              <a:rPr lang="en-US" smtClean="0"/>
+              <a:rPr lang="en-US"/>
               <a:t>Click to edit Master title style</a:t>
             </a:r>
-            <a:endParaRPr lang="en-US"/>
           </a:p>
         </p:txBody>
       </p:sp>
@@ -3595,7 +3567,7 @@
           <a:p>
             <a:pPr lvl="0"/>
             <a:r>
-              <a:rPr lang="en-US" smtClean="0"/>
+              <a:rPr lang="en-US"/>
               <a:t>Click to edit Master text styles</a:t>
             </a:r>
           </a:p>
@@ -3721,10 +3693,9 @@
           <a:lstStyle/>
           <a:p>
             <a:r>
-              <a:rPr lang="en-US" smtClean="0"/>
+              <a:rPr lang="en-US"/>
               <a:t>Click to edit Master title style</a:t>
             </a:r>
-            <a:endParaRPr lang="en-US"/>
           </a:p>
         </p:txBody>
       </p:sp>
@@ -3778,38 +3749,37 @@
           <a:p>
             <a:pPr lvl="0"/>
             <a:r>
-              <a:rPr lang="en-US" smtClean="0"/>
+              <a:rPr lang="en-US"/>
               <a:t>Click to edit Master text styles</a:t>
             </a:r>
           </a:p>
           <a:p>
             <a:pPr lvl="1"/>
             <a:r>
-              <a:rPr lang="en-US" smtClean="0"/>
+              <a:rPr lang="en-US"/>
               <a:t>Second level</a:t>
             </a:r>
           </a:p>
           <a:p>
             <a:pPr lvl="2"/>
             <a:r>
-              <a:rPr lang="en-US" smtClean="0"/>
+              <a:rPr lang="en-US"/>
               <a:t>Third level</a:t>
             </a:r>
           </a:p>
           <a:p>
             <a:pPr lvl="3"/>
             <a:r>
-              <a:rPr lang="en-US" smtClean="0"/>
+              <a:rPr lang="en-US"/>
               <a:t>Fourth level</a:t>
             </a:r>
           </a:p>
           <a:p>
             <a:pPr lvl="4"/>
             <a:r>
-              <a:rPr lang="en-US" smtClean="0"/>
+              <a:rPr lang="en-US"/>
               <a:t>Fifth level</a:t>
             </a:r>
-            <a:endParaRPr lang="en-US"/>
           </a:p>
         </p:txBody>
       </p:sp>
@@ -3863,38 +3833,37 @@
           <a:p>
             <a:pPr lvl="0"/>
             <a:r>
-              <a:rPr lang="en-US" smtClean="0"/>
+              <a:rPr lang="en-US"/>
               <a:t>Click to edit Master text styles</a:t>
             </a:r>
           </a:p>
           <a:p>
             <a:pPr lvl="1"/>
             <a:r>
-              <a:rPr lang="en-US" smtClean="0"/>
+              <a:rPr lang="en-US"/>
               <a:t>Second level</a:t>
             </a:r>
           </a:p>
           <a:p>
             <a:pPr lvl="2"/>
             <a:r>
-              <a:rPr lang="en-US" smtClean="0"/>
+              <a:rPr lang="en-US"/>
               <a:t>Third level</a:t>
             </a:r>
           </a:p>
           <a:p>
             <a:pPr lvl="3"/>
             <a:r>
-              <a:rPr lang="en-US" smtClean="0"/>
+              <a:rPr lang="en-US"/>
               <a:t>Fourth level</a:t>
             </a:r>
           </a:p>
           <a:p>
             <a:pPr lvl="4"/>
             <a:r>
-              <a:rPr lang="en-US" smtClean="0"/>
+              <a:rPr lang="en-US"/>
               <a:t>Fifth level</a:t>
             </a:r>
-            <a:endParaRPr lang="en-US"/>
           </a:p>
         </p:txBody>
       </p:sp>
@@ -4027,10 +3996,9 @@
           </a:lstStyle>
           <a:p>
             <a:r>
-              <a:rPr lang="en-US" smtClean="0"/>
+              <a:rPr lang="en-US"/>
               <a:t>Click to edit Master title style</a:t>
             </a:r>
-            <a:endParaRPr lang="en-US"/>
           </a:p>
         </p:txBody>
       </p:sp>
@@ -4093,7 +4061,7 @@
           <a:p>
             <a:pPr lvl="0"/>
             <a:r>
-              <a:rPr lang="en-US" smtClean="0"/>
+              <a:rPr lang="en-US"/>
               <a:t>Click to edit Master text styles</a:t>
             </a:r>
           </a:p>
@@ -4149,38 +4117,37 @@
           <a:p>
             <a:pPr lvl="0"/>
             <a:r>
-              <a:rPr lang="en-US" smtClean="0"/>
+              <a:rPr lang="en-US"/>
               <a:t>Click to edit Master text styles</a:t>
             </a:r>
           </a:p>
           <a:p>
             <a:pPr lvl="1"/>
             <a:r>
-              <a:rPr lang="en-US" smtClean="0"/>
+              <a:rPr lang="en-US"/>
               <a:t>Second level</a:t>
             </a:r>
           </a:p>
           <a:p>
             <a:pPr lvl="2"/>
             <a:r>
-              <a:rPr lang="en-US" smtClean="0"/>
+              <a:rPr lang="en-US"/>
               <a:t>Third level</a:t>
             </a:r>
           </a:p>
           <a:p>
             <a:pPr lvl="3"/>
             <a:r>
-              <a:rPr lang="en-US" smtClean="0"/>
+              <a:rPr lang="en-US"/>
               <a:t>Fourth level</a:t>
             </a:r>
           </a:p>
           <a:p>
             <a:pPr lvl="4"/>
             <a:r>
-              <a:rPr lang="en-US" smtClean="0"/>
+              <a:rPr lang="en-US"/>
               <a:t>Fifth level</a:t>
             </a:r>
-            <a:endParaRPr lang="en-US"/>
           </a:p>
         </p:txBody>
       </p:sp>
@@ -4243,7 +4210,7 @@
           <a:p>
             <a:pPr lvl="0"/>
             <a:r>
-              <a:rPr lang="en-US" smtClean="0"/>
+              <a:rPr lang="en-US"/>
               <a:t>Click to edit Master text styles</a:t>
             </a:r>
           </a:p>
@@ -4299,38 +4266,37 @@
           <a:p>
             <a:pPr lvl="0"/>
             <a:r>
-              <a:rPr lang="en-US" smtClean="0"/>
+              <a:rPr lang="en-US"/>
               <a:t>Click to edit Master text styles</a:t>
             </a:r>
           </a:p>
           <a:p>
             <a:pPr lvl="1"/>
             <a:r>
-              <a:rPr lang="en-US" smtClean="0"/>
+              <a:rPr lang="en-US"/>
               <a:t>Second level</a:t>
             </a:r>
           </a:p>
           <a:p>
             <a:pPr lvl="2"/>
             <a:r>
-              <a:rPr lang="en-US" smtClean="0"/>
+              <a:rPr lang="en-US"/>
               <a:t>Third level</a:t>
             </a:r>
           </a:p>
           <a:p>
             <a:pPr lvl="3"/>
             <a:r>
-              <a:rPr lang="en-US" smtClean="0"/>
+              <a:rPr lang="en-US"/>
               <a:t>Fourth level</a:t>
             </a:r>
           </a:p>
           <a:p>
             <a:pPr lvl="4"/>
             <a:r>
-              <a:rPr lang="en-US" smtClean="0"/>
+              <a:rPr lang="en-US"/>
               <a:t>Fifth level</a:t>
             </a:r>
-            <a:endParaRPr lang="en-US"/>
           </a:p>
         </p:txBody>
       </p:sp>
@@ -4454,10 +4420,9 @@
           <a:lstStyle/>
           <a:p>
             <a:r>
-              <a:rPr lang="en-US" smtClean="0"/>
+              <a:rPr lang="en-US"/>
               <a:t>Click to edit Master title style</a:t>
             </a:r>
-            <a:endParaRPr lang="en-US"/>
           </a:p>
         </p:txBody>
       </p:sp>
@@ -4694,10 +4659,9 @@
           </a:lstStyle>
           <a:p>
             <a:r>
-              <a:rPr lang="en-US" smtClean="0"/>
+              <a:rPr lang="en-US"/>
               <a:t>Click to edit Master title style</a:t>
             </a:r>
-            <a:endParaRPr lang="en-US"/>
           </a:p>
         </p:txBody>
       </p:sp>
@@ -4751,38 +4715,37 @@
           <a:p>
             <a:pPr lvl="0"/>
             <a:r>
-              <a:rPr lang="en-US" smtClean="0"/>
+              <a:rPr lang="en-US"/>
               <a:t>Click to edit Master text styles</a:t>
             </a:r>
           </a:p>
           <a:p>
             <a:pPr lvl="1"/>
             <a:r>
-              <a:rPr lang="en-US" smtClean="0"/>
+              <a:rPr lang="en-US"/>
               <a:t>Second level</a:t>
             </a:r>
           </a:p>
           <a:p>
             <a:pPr lvl="2"/>
             <a:r>
-              <a:rPr lang="en-US" smtClean="0"/>
+              <a:rPr lang="en-US"/>
               <a:t>Third level</a:t>
             </a:r>
           </a:p>
           <a:p>
             <a:pPr lvl="3"/>
             <a:r>
-              <a:rPr lang="en-US" smtClean="0"/>
+              <a:rPr lang="en-US"/>
               <a:t>Fourth level</a:t>
             </a:r>
           </a:p>
           <a:p>
             <a:pPr lvl="4"/>
             <a:r>
-              <a:rPr lang="en-US" smtClean="0"/>
+              <a:rPr lang="en-US"/>
               <a:t>Fifth level</a:t>
             </a:r>
-            <a:endParaRPr lang="en-US"/>
           </a:p>
         </p:txBody>
       </p:sp>
@@ -4845,7 +4808,7 @@
           <a:p>
             <a:pPr lvl="0"/>
             <a:r>
-              <a:rPr lang="en-US" smtClean="0"/>
+              <a:rPr lang="en-US"/>
               <a:t>Click to edit Master text styles</a:t>
             </a:r>
           </a:p>
@@ -4980,10 +4943,9 @@
           </a:lstStyle>
           <a:p>
             <a:r>
-              <a:rPr lang="en-US" smtClean="0"/>
+              <a:rPr lang="en-US"/>
               <a:t>Click to edit Master title style</a:t>
             </a:r>
-            <a:endParaRPr lang="en-US"/>
           </a:p>
         </p:txBody>
       </p:sp>
@@ -5107,7 +5069,7 @@
           <a:p>
             <a:pPr lvl="0"/>
             <a:r>
-              <a:rPr lang="en-US" smtClean="0"/>
+              <a:rPr lang="en-US"/>
               <a:t>Click to edit Master text styles</a:t>
             </a:r>
           </a:p>
@@ -5299,7 +5261,7 @@
           <a:p>
             <a:pPr lvl="0"/>
             <a:r>
-              <a:rPr lang="en-US" smtClean="0"/>
+              <a:rPr lang="en-US"/>
               <a:t>Click to edit Master title style</a:t>
             </a:r>
           </a:p>
@@ -5367,35 +5329,35 @@
           <a:p>
             <a:pPr lvl="0"/>
             <a:r>
-              <a:rPr lang="en-US" smtClean="0"/>
+              <a:rPr lang="en-US"/>
               <a:t>Click to edit Master text styles</a:t>
             </a:r>
           </a:p>
           <a:p>
             <a:pPr lvl="1"/>
             <a:r>
-              <a:rPr lang="en-US" smtClean="0"/>
+              <a:rPr lang="en-US"/>
               <a:t>Second level</a:t>
             </a:r>
           </a:p>
           <a:p>
             <a:pPr lvl="2"/>
             <a:r>
-              <a:rPr lang="en-US" smtClean="0"/>
+              <a:rPr lang="en-US"/>
               <a:t>Third level</a:t>
             </a:r>
           </a:p>
           <a:p>
             <a:pPr lvl="3"/>
             <a:r>
-              <a:rPr lang="en-US" smtClean="0"/>
+              <a:rPr lang="en-US"/>
               <a:t>Fourth level</a:t>
             </a:r>
           </a:p>
           <a:p>
             <a:pPr lvl="4"/>
             <a:r>
-              <a:rPr lang="en-US" smtClean="0"/>
+              <a:rPr lang="en-US"/>
               <a:t>Fifth level</a:t>
             </a:r>
           </a:p>
@@ -6144,7 +6106,7 @@
           <a:p>
             <a:pPr lvl="0"/>
             <a:r>
-              <a:rPr lang="en-US" smtClean="0"/>
+              <a:rPr lang="en-US"/>
               <a:t>Click to edit Master title style</a:t>
             </a:r>
           </a:p>
@@ -6212,35 +6174,35 @@
           <a:p>
             <a:pPr lvl="0"/>
             <a:r>
-              <a:rPr lang="en-US" smtClean="0"/>
+              <a:rPr lang="en-US"/>
               <a:t>Click to edit Master text styles</a:t>
             </a:r>
           </a:p>
           <a:p>
             <a:pPr lvl="1"/>
             <a:r>
-              <a:rPr lang="en-US" smtClean="0"/>
+              <a:rPr lang="en-US"/>
               <a:t>Second level</a:t>
             </a:r>
           </a:p>
           <a:p>
             <a:pPr lvl="2"/>
             <a:r>
-              <a:rPr lang="en-US" smtClean="0"/>
+              <a:rPr lang="en-US"/>
               <a:t>Third level</a:t>
             </a:r>
           </a:p>
           <a:p>
             <a:pPr lvl="3"/>
             <a:r>
-              <a:rPr lang="en-US" smtClean="0"/>
+              <a:rPr lang="en-US"/>
               <a:t>Fourth level</a:t>
             </a:r>
           </a:p>
           <a:p>
             <a:pPr lvl="4"/>
             <a:r>
-              <a:rPr lang="en-US" smtClean="0"/>
+              <a:rPr lang="en-US"/>
               <a:t>Fifth level</a:t>
             </a:r>
           </a:p>
@@ -10167,7 +10129,7 @@
           <a:p>
             <a:pPr algn="ctr" eaLnBrk="1" hangingPunct="1"/>
             <a:r>
-              <a:rPr lang="en-US" sz="3600" kern="10">
+              <a:rPr lang="en-US" sz="3600" kern="10" dirty="0" err="1">
                 <a:ln w="25400">
                   <a:solidFill>
                     <a:srgbClr val="FFFFFF"/>
@@ -10204,10 +10166,133 @@
                     <a:srgbClr val="FFFFFF"/>
                   </a:prstShdw>
                 </a:effectLst>
-                <a:latin typeface="VNI-Rush"/>
+                <a:latin typeface="VNI-Times" pitchFamily="2" charset="0"/>
               </a:rPr>
-              <a:t>Lôøi Chuùa</a:t>
-            </a:r>
+              <a:t>Lôøi</a:t>
+            </a:r>
+            <a:r>
+              <a:rPr lang="en-US" sz="3600" kern="10" dirty="0">
+                <a:ln w="25400">
+                  <a:solidFill>
+                    <a:srgbClr val="FFFFFF"/>
+                  </a:solidFill>
+                  <a:round/>
+                  <a:headEnd/>
+                  <a:tailEnd/>
+                </a:ln>
+                <a:gradFill rotWithShape="1">
+                  <a:gsLst>
+                    <a:gs pos="0">
+                      <a:srgbClr val="000000"/>
+                    </a:gs>
+                    <a:gs pos="20000">
+                      <a:srgbClr val="000040"/>
+                    </a:gs>
+                    <a:gs pos="50000">
+                      <a:srgbClr val="400040"/>
+                    </a:gs>
+                    <a:gs pos="75000">
+                      <a:srgbClr val="8F0040"/>
+                    </a:gs>
+                    <a:gs pos="89999">
+                      <a:srgbClr val="F27300"/>
+                    </a:gs>
+                    <a:gs pos="100000">
+                      <a:srgbClr val="FFBF00"/>
+                    </a:gs>
+                  </a:gsLst>
+                  <a:lin ang="5400000" scaled="1"/>
+                </a:gradFill>
+                <a:effectLst>
+                  <a:prstShdw prst="shdw17" dist="17961" dir="13500000">
+                    <a:srgbClr val="FFFFFF"/>
+                  </a:prstShdw>
+                </a:effectLst>
+                <a:latin typeface="VNI-Times" pitchFamily="2" charset="0"/>
+              </a:rPr>
+              <a:t> </a:t>
+            </a:r>
+            <a:r>
+              <a:rPr lang="en-US" sz="3600" kern="10" dirty="0" err="1">
+                <a:ln w="25400">
+                  <a:solidFill>
+                    <a:srgbClr val="FFFFFF"/>
+                  </a:solidFill>
+                  <a:round/>
+                  <a:headEnd/>
+                  <a:tailEnd/>
+                </a:ln>
+                <a:gradFill rotWithShape="1">
+                  <a:gsLst>
+                    <a:gs pos="0">
+                      <a:srgbClr val="000000"/>
+                    </a:gs>
+                    <a:gs pos="20000">
+                      <a:srgbClr val="000040"/>
+                    </a:gs>
+                    <a:gs pos="50000">
+                      <a:srgbClr val="400040"/>
+                    </a:gs>
+                    <a:gs pos="75000">
+                      <a:srgbClr val="8F0040"/>
+                    </a:gs>
+                    <a:gs pos="89999">
+                      <a:srgbClr val="F27300"/>
+                    </a:gs>
+                    <a:gs pos="100000">
+                      <a:srgbClr val="FFBF00"/>
+                    </a:gs>
+                  </a:gsLst>
+                  <a:lin ang="5400000" scaled="1"/>
+                </a:gradFill>
+                <a:effectLst>
+                  <a:prstShdw prst="shdw17" dist="17961" dir="13500000">
+                    <a:srgbClr val="FFFFFF"/>
+                  </a:prstShdw>
+                </a:effectLst>
+                <a:latin typeface="VNI-Times" pitchFamily="2" charset="0"/>
+              </a:rPr>
+              <a:t>Chuùa</a:t>
+            </a:r>
+            <a:endParaRPr lang="en-US" sz="3600" kern="10" dirty="0">
+              <a:ln w="25400">
+                <a:solidFill>
+                  <a:srgbClr val="FFFFFF"/>
+                </a:solidFill>
+                <a:round/>
+                <a:headEnd/>
+                <a:tailEnd/>
+              </a:ln>
+              <a:gradFill rotWithShape="1">
+                <a:gsLst>
+                  <a:gs pos="0">
+                    <a:srgbClr val="000000"/>
+                  </a:gs>
+                  <a:gs pos="20000">
+                    <a:srgbClr val="000040"/>
+                  </a:gs>
+                  <a:gs pos="50000">
+                    <a:srgbClr val="400040"/>
+                  </a:gs>
+                  <a:gs pos="75000">
+                    <a:srgbClr val="8F0040"/>
+                  </a:gs>
+                  <a:gs pos="89999">
+                    <a:srgbClr val="F27300"/>
+                  </a:gs>
+                  <a:gs pos="100000">
+                    <a:srgbClr val="FFBF00"/>
+                  </a:gs>
+                </a:gsLst>
+                <a:lin ang="5400000" scaled="1"/>
+              </a:gradFill>
+              <a:effectLst>
+                <a:prstShdw prst="shdw17" dist="17961" dir="13500000">
+                  <a:srgbClr val="FFFFFF"/>
+                </a:prstShdw>
+              </a:effectLst>
+              <a:latin typeface="VNI-Times" pitchFamily="2" charset="0"/>
+            </a:endParaRPr>
           </a:p>
         </p:txBody>
       </p:sp>
@@ -10370,29 +10455,14 @@
               </a:spcBef>
             </a:pPr>
             <a:r>
-              <a:rPr lang="en-US" sz="3500" b="1" smtClean="0">
+              <a:rPr lang="en-US" sz="3500" b="1" dirty="0">
                 <a:solidFill>
                   <a:srgbClr val="FFFFFF"/>
                 </a:solidFill>
-                <a:latin typeface="VNI-Eurasia" pitchFamily="2" charset="0"/>
+                <a:latin typeface="VNI-Times" pitchFamily="2" charset="0"/>
               </a:rPr>
-              <a:t>TOÂN VINH CHUÙA – </a:t>
-            </a:r>
-            <a:r>
-              <a:rPr lang="en-US" sz="3500" b="1" smtClean="0">
-                <a:solidFill>
-                  <a:srgbClr val="FFFFFF"/>
-                </a:solidFill>
-                <a:latin typeface="VNI-Eurasia" pitchFamily="2" charset="0"/>
-              </a:rPr>
-              <a:t>BIEÄT THAÙNH CA</a:t>
-            </a:r>
-            <a:endParaRPr lang="en-US" sz="3500" b="1">
-              <a:solidFill>
-                <a:srgbClr val="FFFFFF"/>
-              </a:solidFill>
-              <a:latin typeface="VNI-Eurasia" pitchFamily="2" charset="0"/>
-            </a:endParaRPr>
+              <a:t>TOÂN VINH CHUÙA – BIEÄT THAÙNH CA</a:t>
+            </a:r>
           </a:p>
         </p:txBody>
       </p:sp>
@@ -10418,13 +10488,6 @@
       </p:transition>
     </mc:Fallback>
   </mc:AlternateContent>
-  <p:timing>
-    <p:tnLst>
-      <p:par>
-        <p:cTn id="1" dur="indefinite" restart="never" nodeType="tmRoot"/>
-      </p:par>
-    </p:tnLst>
-  </p:timing>
 </p:sld>
 </file>
 
@@ -10617,7 +10680,6 @@
             <a:noFill/>
           </a:ln>
           <a:effectLst/>
-          <a:extLst/>
         </p:spPr>
         <p:txBody>
           <a:bodyPr wrap="square">
@@ -10728,7 +10790,7 @@
               </a:spcBef>
             </a:pPr>
             <a:r>
-              <a:rPr lang="en-US" sz="3500" b="1" smtClean="0">
+              <a:rPr lang="en-US" sz="3500" b="1">
                 <a:solidFill>
                   <a:srgbClr val="002060"/>
                 </a:solidFill>
@@ -10739,33 +10801,8 @@
                 </a:effectLst>
                 <a:latin typeface="VNI-Garam" pitchFamily="34" charset="0"/>
               </a:rPr>
-              <a:t>LÔØI </a:t>
-            </a:r>
-            <a:r>
-              <a:rPr lang="en-US" sz="3500" b="1" smtClean="0">
-                <a:solidFill>
-                  <a:srgbClr val="002060"/>
-                </a:solidFill>
-                <a:effectLst>
-                  <a:glow rad="101600">
-                    <a:schemeClr val="bg1"/>
-                  </a:glow>
-                </a:effectLst>
-                <a:latin typeface="VNI-Garam" pitchFamily="34" charset="0"/>
-              </a:rPr>
-              <a:t>CHUÙA</a:t>
-            </a:r>
-            <a:endParaRPr lang="en-US" sz="3500" b="1">
-              <a:solidFill>
-                <a:srgbClr val="002060"/>
-              </a:solidFill>
-              <a:effectLst>
-                <a:glow rad="101600">
-                  <a:schemeClr val="bg1"/>
-                </a:glow>
-              </a:effectLst>
-              <a:latin typeface="VNI-Garam" pitchFamily="34" charset="0"/>
-            </a:endParaRPr>
+              <a:t>LÔØI CHUÙA</a:t>
+            </a:r>
           </a:p>
         </p:txBody>
       </p:sp>
@@ -10779,13 +10816,6 @@
   <p:clrMapOvr>
     <a:masterClrMapping/>
   </p:clrMapOvr>
-  <p:timing>
-    <p:tnLst>
-      <p:par>
-        <p:cTn id="1" dur="indefinite" restart="never" nodeType="tmRoot"/>
-      </p:par>
-    </p:tnLst>
-  </p:timing>
 </p:sld>
 </file>
 
@@ -10962,7 +10992,6 @@
             <a:noFill/>
           </a:ln>
           <a:effectLst/>
-          <a:extLst/>
         </p:spPr>
         <p:txBody>
           <a:bodyPr wrap="square">
@@ -11073,7 +11102,7 @@
               </a:spcBef>
             </a:pPr>
             <a:r>
-              <a:rPr lang="en-US" sz="3500" b="1" smtClean="0">
+              <a:rPr lang="en-US" sz="3500" b="1">
                 <a:solidFill>
                   <a:srgbClr val="002060"/>
                 </a:solidFill>
@@ -11084,33 +11113,8 @@
                 </a:effectLst>
                 <a:latin typeface="VNI-Garam" pitchFamily="34" charset="0"/>
               </a:rPr>
-              <a:t>LÔØI </a:t>
-            </a:r>
-            <a:r>
-              <a:rPr lang="en-US" sz="3500" b="1" smtClean="0">
-                <a:solidFill>
-                  <a:srgbClr val="002060"/>
-                </a:solidFill>
-                <a:effectLst>
-                  <a:glow rad="101600">
-                    <a:schemeClr val="bg1"/>
-                  </a:glow>
-                </a:effectLst>
-                <a:latin typeface="VNI-Garam" pitchFamily="34" charset="0"/>
-              </a:rPr>
-              <a:t>CHUÙA</a:t>
-            </a:r>
-            <a:endParaRPr lang="en-US" sz="3500" b="1">
-              <a:solidFill>
-                <a:srgbClr val="002060"/>
-              </a:solidFill>
-              <a:effectLst>
-                <a:glow rad="101600">
-                  <a:schemeClr val="bg1"/>
-                </a:glow>
-              </a:effectLst>
-              <a:latin typeface="VNI-Garam" pitchFamily="34" charset="0"/>
-            </a:endParaRPr>
+              <a:t>LÔØI CHUÙA</a:t>
+            </a:r>
           </a:p>
         </p:txBody>
       </p:sp>
@@ -11124,13 +11128,6 @@
   <p:clrMapOvr>
     <a:masterClrMapping/>
   </p:clrMapOvr>
-  <p:timing>
-    <p:tnLst>
-      <p:par>
-        <p:cTn id="1" dur="indefinite" restart="never" nodeType="tmRoot"/>
-      </p:par>
-    </p:tnLst>
-  </p:timing>
 </p:sld>
 </file>
 
@@ -11323,7 +11320,6 @@
             <a:noFill/>
           </a:ln>
           <a:effectLst/>
-          <a:extLst/>
         </p:spPr>
         <p:txBody>
           <a:bodyPr wrap="square">
@@ -11434,7 +11430,7 @@
               </a:spcBef>
             </a:pPr>
             <a:r>
-              <a:rPr lang="en-US" sz="3500" b="1" smtClean="0">
+              <a:rPr lang="en-US" sz="3500" b="1">
                 <a:solidFill>
                   <a:srgbClr val="002060"/>
                 </a:solidFill>
@@ -11445,33 +11441,8 @@
                 </a:effectLst>
                 <a:latin typeface="VNI-Garam" pitchFamily="34" charset="0"/>
               </a:rPr>
-              <a:t>LÔØI </a:t>
-            </a:r>
-            <a:r>
-              <a:rPr lang="en-US" sz="3500" b="1" smtClean="0">
-                <a:solidFill>
-                  <a:srgbClr val="002060"/>
-                </a:solidFill>
-                <a:effectLst>
-                  <a:glow rad="101600">
-                    <a:schemeClr val="bg1"/>
-                  </a:glow>
-                </a:effectLst>
-                <a:latin typeface="VNI-Garam" pitchFamily="34" charset="0"/>
-              </a:rPr>
-              <a:t>CHUÙA</a:t>
-            </a:r>
-            <a:endParaRPr lang="en-US" sz="3500" b="1">
-              <a:solidFill>
-                <a:srgbClr val="002060"/>
-              </a:solidFill>
-              <a:effectLst>
-                <a:glow rad="101600">
-                  <a:schemeClr val="bg1"/>
-                </a:glow>
-              </a:effectLst>
-              <a:latin typeface="VNI-Garam" pitchFamily="34" charset="0"/>
-            </a:endParaRPr>
+              <a:t>LÔØI CHUÙA</a:t>
+            </a:r>
           </a:p>
         </p:txBody>
       </p:sp>
@@ -11497,13 +11468,6 @@
       </p:transition>
     </mc:Fallback>
   </mc:AlternateContent>
-  <p:timing>
-    <p:tnLst>
-      <p:par>
-        <p:cTn id="1" dur="indefinite" restart="never" nodeType="tmRoot"/>
-      </p:par>
-    </p:tnLst>
-  </p:timing>
 </p:sld>
 </file>
 
@@ -11680,7 +11644,6 @@
             <a:noFill/>
           </a:ln>
           <a:effectLst/>
-          <a:extLst/>
         </p:spPr>
         <p:txBody>
           <a:bodyPr wrap="square">
@@ -11791,7 +11754,7 @@
               </a:spcBef>
             </a:pPr>
             <a:r>
-              <a:rPr lang="en-US" sz="3500" b="1" smtClean="0">
+              <a:rPr lang="en-US" sz="3500" b="1">
                 <a:solidFill>
                   <a:srgbClr val="002060"/>
                 </a:solidFill>
@@ -11802,33 +11765,8 @@
                 </a:effectLst>
                 <a:latin typeface="VNI-Garam" pitchFamily="34" charset="0"/>
               </a:rPr>
-              <a:t>LÔØI </a:t>
-            </a:r>
-            <a:r>
-              <a:rPr lang="en-US" sz="3500" b="1" smtClean="0">
-                <a:solidFill>
-                  <a:srgbClr val="002060"/>
-                </a:solidFill>
-                <a:effectLst>
-                  <a:glow rad="101600">
-                    <a:schemeClr val="bg1"/>
-                  </a:glow>
-                </a:effectLst>
-                <a:latin typeface="VNI-Garam" pitchFamily="34" charset="0"/>
-              </a:rPr>
-              <a:t>CHUÙA</a:t>
-            </a:r>
-            <a:endParaRPr lang="en-US" sz="3500" b="1">
-              <a:solidFill>
-                <a:srgbClr val="002060"/>
-              </a:solidFill>
-              <a:effectLst>
-                <a:glow rad="101600">
-                  <a:schemeClr val="bg1"/>
-                </a:glow>
-              </a:effectLst>
-              <a:latin typeface="VNI-Garam" pitchFamily="34" charset="0"/>
-            </a:endParaRPr>
+              <a:t>LÔØI CHUÙA</a:t>
+            </a:r>
           </a:p>
         </p:txBody>
       </p:sp>
@@ -11842,13 +11780,6 @@
   <p:clrMapOvr>
     <a:masterClrMapping/>
   </p:clrMapOvr>
-  <p:timing>
-    <p:tnLst>
-      <p:par>
-        <p:cTn id="1" dur="indefinite" restart="never" nodeType="tmRoot"/>
-      </p:par>
-    </p:tnLst>
-  </p:timing>
 </p:sld>
 </file>
 
@@ -12070,7 +12001,6 @@
             <a:noFill/>
           </a:ln>
           <a:effectLst/>
-          <a:extLst/>
         </p:spPr>
         <p:txBody>
           <a:bodyPr wrap="square">
@@ -12181,7 +12111,7 @@
               </a:spcBef>
             </a:pPr>
             <a:r>
-              <a:rPr lang="en-US" sz="3500" b="1" smtClean="0">
+              <a:rPr lang="en-US" sz="3500" b="1">
                 <a:solidFill>
                   <a:srgbClr val="002060"/>
                 </a:solidFill>
@@ -12192,33 +12122,8 @@
                 </a:effectLst>
                 <a:latin typeface="VNI-Garam" pitchFamily="34" charset="0"/>
               </a:rPr>
-              <a:t>LÔØI </a:t>
-            </a:r>
-            <a:r>
-              <a:rPr lang="en-US" sz="3500" b="1" smtClean="0">
-                <a:solidFill>
-                  <a:srgbClr val="002060"/>
-                </a:solidFill>
-                <a:effectLst>
-                  <a:glow rad="101600">
-                    <a:schemeClr val="bg1"/>
-                  </a:glow>
-                </a:effectLst>
-                <a:latin typeface="VNI-Garam" pitchFamily="34" charset="0"/>
-              </a:rPr>
-              <a:t>CHUÙA</a:t>
-            </a:r>
-            <a:endParaRPr lang="en-US" sz="3500" b="1">
-              <a:solidFill>
-                <a:srgbClr val="002060"/>
-              </a:solidFill>
-              <a:effectLst>
-                <a:glow rad="101600">
-                  <a:schemeClr val="bg1"/>
-                </a:glow>
-              </a:effectLst>
-              <a:latin typeface="VNI-Garam" pitchFamily="34" charset="0"/>
-            </a:endParaRPr>
+              <a:t>LÔØI CHUÙA</a:t>
+            </a:r>
           </a:p>
         </p:txBody>
       </p:sp>
@@ -12232,13 +12137,6 @@
   <p:clrMapOvr>
     <a:masterClrMapping/>
   </p:clrMapOvr>
-  <p:timing>
-    <p:tnLst>
-      <p:par>
-        <p:cTn id="1" dur="indefinite" restart="never" nodeType="tmRoot"/>
-      </p:par>
-    </p:tnLst>
-  </p:timing>
 </p:sld>
 </file>
 
@@ -12374,45 +12272,7 @@
                 </a:effectLst>
                 <a:latin typeface="VNI-Aptima" pitchFamily="2" charset="0"/>
               </a:rPr>
-              <a:t>nguyeän xin ñi </a:t>
-            </a:r>
-            <a:r>
-              <a:rPr lang="en-US" sz="6600" b="1" smtClean="0">
-                <a:solidFill>
-                  <a:srgbClr val="FFFFFF"/>
-                </a:solidFill>
-                <a:effectLst>
-                  <a:glow rad="101600">
-                    <a:srgbClr val="000000">
-                      <a:alpha val="60000"/>
-                    </a:srgbClr>
-                  </a:glow>
-                  <a:outerShdw blurRad="38100" dist="38100" dir="2700000" algn="tl">
-                    <a:srgbClr val="000000"/>
-                  </a:outerShdw>
-                </a:effectLst>
-                <a:latin typeface="VNI-Aptima" pitchFamily="2" charset="0"/>
-              </a:rPr>
-              <a:t>cuøng </a:t>
-            </a:r>
-            <a:r>
-              <a:rPr lang="en-US" sz="6600" b="1">
-                <a:solidFill>
-                  <a:srgbClr val="FFFFFF"/>
-                </a:solidFill>
-                <a:effectLst>
-                  <a:glow rad="101600">
-                    <a:srgbClr val="000000">
-                      <a:alpha val="60000"/>
-                    </a:srgbClr>
-                  </a:glow>
-                  <a:outerShdw blurRad="38100" dist="38100" dir="2700000" algn="tl">
-                    <a:srgbClr val="000000"/>
-                  </a:outerShdw>
-                </a:effectLst>
-                <a:latin typeface="VNI-Aptima" pitchFamily="2" charset="0"/>
-              </a:rPr>
-              <a:t/>
+              <a:t>nguyeän xin ñi cuøng </a:t>
             </a:r>
             <a:br>
               <a:rPr lang="en-US" sz="6600" b="1">
@@ -12479,7 +12339,6 @@
             <a:noFill/>
           </a:ln>
           <a:effectLst/>
-          <a:extLst/>
         </p:spPr>
         <p:txBody>
           <a:bodyPr wrap="square">
@@ -12590,7 +12449,7 @@
               </a:spcBef>
             </a:pPr>
             <a:r>
-              <a:rPr lang="en-US" sz="3500" b="1" smtClean="0">
+              <a:rPr lang="en-US" sz="3500" b="1">
                 <a:solidFill>
                   <a:srgbClr val="002060"/>
                 </a:solidFill>
@@ -12601,33 +12460,8 @@
                 </a:effectLst>
                 <a:latin typeface="VNI-Garam" pitchFamily="34" charset="0"/>
               </a:rPr>
-              <a:t>LÔØI </a:t>
-            </a:r>
-            <a:r>
-              <a:rPr lang="en-US" sz="3500" b="1" smtClean="0">
-                <a:solidFill>
-                  <a:srgbClr val="002060"/>
-                </a:solidFill>
-                <a:effectLst>
-                  <a:glow rad="101600">
-                    <a:schemeClr val="bg1"/>
-                  </a:glow>
-                </a:effectLst>
-                <a:latin typeface="VNI-Garam" pitchFamily="34" charset="0"/>
-              </a:rPr>
-              <a:t>CHUÙA</a:t>
-            </a:r>
-            <a:endParaRPr lang="en-US" sz="3500" b="1">
-              <a:solidFill>
-                <a:srgbClr val="002060"/>
-              </a:solidFill>
-              <a:effectLst>
-                <a:glow rad="101600">
-                  <a:schemeClr val="bg1"/>
-                </a:glow>
-              </a:effectLst>
-              <a:latin typeface="VNI-Garam" pitchFamily="34" charset="0"/>
-            </a:endParaRPr>
+              <a:t>LÔØI CHUÙA</a:t>
+            </a:r>
           </a:p>
         </p:txBody>
       </p:sp>
@@ -12641,13 +12475,6 @@
   <p:clrMapOvr>
     <a:masterClrMapping/>
   </p:clrMapOvr>
-  <p:timing>
-    <p:tnLst>
-      <p:par>
-        <p:cTn id="1" dur="indefinite" restart="never" nodeType="tmRoot"/>
-      </p:par>
-    </p:tnLst>
-  </p:timing>
 </p:sld>
 </file>
 
@@ -12840,7 +12667,6 @@
             <a:noFill/>
           </a:ln>
           <a:effectLst/>
-          <a:extLst/>
         </p:spPr>
         <p:txBody>
           <a:bodyPr wrap="square">
@@ -12951,7 +12777,7 @@
               </a:spcBef>
             </a:pPr>
             <a:r>
-              <a:rPr lang="en-US" sz="3500" b="1" smtClean="0">
+              <a:rPr lang="en-US" sz="3500" b="1">
                 <a:solidFill>
                   <a:srgbClr val="002060"/>
                 </a:solidFill>
@@ -12962,33 +12788,8 @@
                 </a:effectLst>
                 <a:latin typeface="VNI-Garam" pitchFamily="34" charset="0"/>
               </a:rPr>
-              <a:t>LÔØI </a:t>
-            </a:r>
-            <a:r>
-              <a:rPr lang="en-US" sz="3500" b="1" smtClean="0">
-                <a:solidFill>
-                  <a:srgbClr val="002060"/>
-                </a:solidFill>
-                <a:effectLst>
-                  <a:glow rad="101600">
-                    <a:schemeClr val="bg1"/>
-                  </a:glow>
-                </a:effectLst>
-                <a:latin typeface="VNI-Garam" pitchFamily="34" charset="0"/>
-              </a:rPr>
-              <a:t>CHUÙA</a:t>
-            </a:r>
-            <a:endParaRPr lang="en-US" sz="3500" b="1">
-              <a:solidFill>
-                <a:srgbClr val="002060"/>
-              </a:solidFill>
-              <a:effectLst>
-                <a:glow rad="101600">
-                  <a:schemeClr val="bg1"/>
-                </a:glow>
-              </a:effectLst>
-              <a:latin typeface="VNI-Garam" pitchFamily="34" charset="0"/>
-            </a:endParaRPr>
+              <a:t>LÔØI CHUÙA</a:t>
+            </a:r>
           </a:p>
         </p:txBody>
       </p:sp>
@@ -13002,13 +12803,6 @@
   <p:clrMapOvr>
     <a:masterClrMapping/>
   </p:clrMapOvr>
-  <p:timing>
-    <p:tnLst>
-      <p:par>
-        <p:cTn id="1" dur="indefinite" restart="never" nodeType="tmRoot"/>
-      </p:par>
-    </p:tnLst>
-  </p:timing>
 </p:sld>
 </file>
 
@@ -13185,7 +12979,6 @@
             <a:noFill/>
           </a:ln>
           <a:effectLst/>
-          <a:extLst/>
         </p:spPr>
         <p:txBody>
           <a:bodyPr wrap="square">
@@ -13296,7 +13089,7 @@
               </a:spcBef>
             </a:pPr>
             <a:r>
-              <a:rPr lang="en-US" sz="3500" b="1" smtClean="0">
+              <a:rPr lang="en-US" sz="3500" b="1">
                 <a:solidFill>
                   <a:srgbClr val="002060"/>
                 </a:solidFill>
@@ -13307,33 +13100,8 @@
                 </a:effectLst>
                 <a:latin typeface="VNI-Garam" pitchFamily="34" charset="0"/>
               </a:rPr>
-              <a:t>LÔØI </a:t>
-            </a:r>
-            <a:r>
-              <a:rPr lang="en-US" sz="3500" b="1" smtClean="0">
-                <a:solidFill>
-                  <a:srgbClr val="002060"/>
-                </a:solidFill>
-                <a:effectLst>
-                  <a:glow rad="101600">
-                    <a:schemeClr val="bg1"/>
-                  </a:glow>
-                </a:effectLst>
-                <a:latin typeface="VNI-Garam" pitchFamily="34" charset="0"/>
-              </a:rPr>
-              <a:t>CHUÙA</a:t>
-            </a:r>
-            <a:endParaRPr lang="en-US" sz="3500" b="1">
-              <a:solidFill>
-                <a:srgbClr val="002060"/>
-              </a:solidFill>
-              <a:effectLst>
-                <a:glow rad="101600">
-                  <a:schemeClr val="bg1"/>
-                </a:glow>
-              </a:effectLst>
-              <a:latin typeface="VNI-Garam" pitchFamily="34" charset="0"/>
-            </a:endParaRPr>
+              <a:t>LÔØI CHUÙA</a:t>
+            </a:r>
           </a:p>
         </p:txBody>
       </p:sp>
@@ -13347,13 +13115,6 @@
   <p:clrMapOvr>
     <a:masterClrMapping/>
   </p:clrMapOvr>
-  <p:timing>
-    <p:tnLst>
-      <p:par>
-        <p:cTn id="1" dur="indefinite" restart="never" nodeType="tmRoot"/>
-      </p:par>
-    </p:tnLst>
-  </p:timing>
 </p:sld>
 </file>
 
@@ -13536,7 +13297,6 @@
             <a:noFill/>
           </a:ln>
           <a:effectLst/>
-          <a:extLst/>
         </p:spPr>
         <p:txBody>
           <a:bodyPr wrap="square">
@@ -13647,7 +13407,7 @@
               </a:spcBef>
             </a:pPr>
             <a:r>
-              <a:rPr lang="en-US" sz="3500" b="1" smtClean="0">
+              <a:rPr lang="en-US" sz="3500" b="1">
                 <a:solidFill>
                   <a:srgbClr val="002060"/>
                 </a:solidFill>
@@ -13658,33 +13418,8 @@
                 </a:effectLst>
                 <a:latin typeface="VNI-Garam" pitchFamily="34" charset="0"/>
               </a:rPr>
-              <a:t>LÔØI </a:t>
-            </a:r>
-            <a:r>
-              <a:rPr lang="en-US" sz="3500" b="1" smtClean="0">
-                <a:solidFill>
-                  <a:srgbClr val="002060"/>
-                </a:solidFill>
-                <a:effectLst>
-                  <a:glow rad="101600">
-                    <a:schemeClr val="bg1"/>
-                  </a:glow>
-                </a:effectLst>
-                <a:latin typeface="VNI-Garam" pitchFamily="34" charset="0"/>
-              </a:rPr>
-              <a:t>CHUÙA</a:t>
-            </a:r>
-            <a:endParaRPr lang="en-US" sz="3500" b="1">
-              <a:solidFill>
-                <a:srgbClr val="002060"/>
-              </a:solidFill>
-              <a:effectLst>
-                <a:glow rad="101600">
-                  <a:schemeClr val="bg1"/>
-                </a:glow>
-              </a:effectLst>
-              <a:latin typeface="VNI-Garam" pitchFamily="34" charset="0"/>
-            </a:endParaRPr>
+              <a:t>LÔØI CHUÙA</a:t>
+            </a:r>
           </a:p>
         </p:txBody>
       </p:sp>
@@ -13698,13 +13433,6 @@
   <p:clrMapOvr>
     <a:masterClrMapping/>
   </p:clrMapOvr>
-  <p:timing>
-    <p:tnLst>
-      <p:par>
-        <p:cTn id="1" dur="indefinite" restart="never" nodeType="tmRoot"/>
-      </p:par>
-    </p:tnLst>
-  </p:timing>
 </p:sld>
 </file>
 
@@ -13750,7 +13478,7 @@
               <a:defRPr/>
             </a:pPr>
             <a:r>
-              <a:rPr lang="en-US" sz="6600" b="1" smtClean="0">
+              <a:rPr lang="en-US" sz="6600" b="1">
                 <a:solidFill>
                   <a:srgbClr val="FFFFFF"/>
                 </a:solidFill>
@@ -13766,26 +13494,7 @@
                 </a:effectLst>
                 <a:latin typeface="VNI-Aptima" pitchFamily="2" charset="0"/>
               </a:rPr>
-              <a:t>Jeâsus xin </a:t>
-            </a:r>
-            <a:r>
-              <a:rPr lang="en-US" sz="6600" b="1">
-                <a:solidFill>
-                  <a:srgbClr val="FFFFFF"/>
-                </a:solidFill>
-                <a:effectLst>
-                  <a:glow rad="101600">
-                    <a:srgbClr val="000000">
-                      <a:alpha val="60000"/>
-                    </a:srgbClr>
-                  </a:glow>
-                  <a:outerShdw blurRad="38100" dist="38100" dir="2700000" algn="tl">
-                    <a:srgbClr val="000000"/>
-                  </a:outerShdw>
-                </a:effectLst>
-                <a:latin typeface="VNI-Aptima" pitchFamily="2" charset="0"/>
-              </a:rPr>
-              <a:t>daãn daét, </a:t>
+              <a:t>Jeâsus xin daãn daét, </a:t>
             </a:r>
             <a:br>
               <a:rPr lang="en-US" sz="6600" b="1">
@@ -13822,45 +13531,7 @@
                 </a:effectLst>
                 <a:latin typeface="VNI-Aptima" pitchFamily="2" charset="0"/>
               </a:rPr>
-              <a:t>xin luoân caàm tay vöõng chaéc, </a:t>
-            </a:r>
-            <a:r>
-              <a:rPr lang="en-US" sz="6600" b="1" smtClean="0">
-                <a:solidFill>
-                  <a:srgbClr val="FFFFFF"/>
-                </a:solidFill>
-                <a:effectLst>
-                  <a:glow rad="101600">
-                    <a:srgbClr val="000000">
-                      <a:alpha val="60000"/>
-                    </a:srgbClr>
-                  </a:glow>
-                  <a:outerShdw blurRad="38100" dist="38100" dir="2700000" algn="tl">
-                    <a:srgbClr val="000000"/>
-                  </a:outerShdw>
-                </a:effectLst>
-                <a:latin typeface="VNI-Aptima" pitchFamily="2" charset="0"/>
-              </a:rPr>
-              <a:t>nguyeän </a:t>
-            </a:r>
-            <a:r>
-              <a:rPr lang="en-US" sz="6600" b="1">
-                <a:solidFill>
-                  <a:srgbClr val="FFFFFF"/>
-                </a:solidFill>
-                <a:effectLst>
-                  <a:glow rad="101600">
-                    <a:srgbClr val="000000">
-                      <a:alpha val="60000"/>
-                    </a:srgbClr>
-                  </a:glow>
-                  <a:outerShdw blurRad="38100" dist="38100" dir="2700000" algn="tl">
-                    <a:srgbClr val="000000"/>
-                  </a:outerShdw>
-                </a:effectLst>
-                <a:latin typeface="VNI-Aptima" pitchFamily="2" charset="0"/>
-              </a:rPr>
-              <a:t>yeâu </a:t>
+              <a:t>xin luoân caàm tay vöõng chaéc, nguyeän yeâu </a:t>
             </a:r>
             <a:br>
               <a:rPr lang="en-US" sz="6600" b="1">
@@ -13927,7 +13598,6 @@
             <a:noFill/>
           </a:ln>
           <a:effectLst/>
-          <a:extLst/>
         </p:spPr>
         <p:txBody>
           <a:bodyPr wrap="square">
@@ -14038,7 +13708,7 @@
               </a:spcBef>
             </a:pPr>
             <a:r>
-              <a:rPr lang="en-US" sz="3500" b="1" smtClean="0">
+              <a:rPr lang="en-US" sz="3500" b="1">
                 <a:solidFill>
                   <a:srgbClr val="002060"/>
                 </a:solidFill>
@@ -14049,33 +13719,8 @@
                 </a:effectLst>
                 <a:latin typeface="VNI-Garam" pitchFamily="34" charset="0"/>
               </a:rPr>
-              <a:t>LÔØI </a:t>
-            </a:r>
-            <a:r>
-              <a:rPr lang="en-US" sz="3500" b="1" smtClean="0">
-                <a:solidFill>
-                  <a:srgbClr val="002060"/>
-                </a:solidFill>
-                <a:effectLst>
-                  <a:glow rad="101600">
-                    <a:schemeClr val="bg1"/>
-                  </a:glow>
-                </a:effectLst>
-                <a:latin typeface="VNI-Garam" pitchFamily="34" charset="0"/>
-              </a:rPr>
-              <a:t>CHUÙA</a:t>
-            </a:r>
-            <a:endParaRPr lang="en-US" sz="3500" b="1">
-              <a:solidFill>
-                <a:srgbClr val="002060"/>
-              </a:solidFill>
-              <a:effectLst>
-                <a:glow rad="101600">
-                  <a:schemeClr val="bg1"/>
-                </a:glow>
-              </a:effectLst>
-              <a:latin typeface="VNI-Garam" pitchFamily="34" charset="0"/>
-            </a:endParaRPr>
+              <a:t>LÔØI CHUÙA</a:t>
+            </a:r>
           </a:p>
         </p:txBody>
       </p:sp>
@@ -14089,13 +13734,6 @@
   <p:clrMapOvr>
     <a:masterClrMapping/>
   </p:clrMapOvr>
-  <p:timing>
-    <p:tnLst>
-      <p:par>
-        <p:cTn id="1" dur="indefinite" restart="never" nodeType="tmRoot"/>
-      </p:par>
-    </p:tnLst>
-  </p:timing>
 </p:sld>
 </file>
 
